--- a/Powerpoints/1 Foundations.pptx
+++ b/Powerpoints/1 Foundations.pptx
@@ -228,7 +228,7 @@
           <a:p>
             <a:fld id="{8CDAE157-64BC-FD42-82AD-9DB79E9446BD}" type="datetimeFigureOut">
               <a:rPr lang="en-US" smtClean="0"/>
-              <a:t>10/22/21</a:t>
+              <a:t>10/24/21</a:t>
             </a:fld>
             <a:endParaRPr lang="en-US"/>
           </a:p>
@@ -1632,7 +1632,7 @@
           <a:p>
             <a:fld id="{92ECDD06-8088-CC45-BEF4-C042E98D7A7D}" type="datetime1">
               <a:rPr lang="en-US" smtClean="0"/>
-              <a:t>10/22/21</a:t>
+              <a:t>10/24/21</a:t>
             </a:fld>
             <a:endParaRPr lang="en-US"/>
           </a:p>
@@ -1830,7 +1830,7 @@
           <a:p>
             <a:fld id="{9CAE4184-79C1-F54A-8813-155C66C818D1}" type="datetime1">
               <a:rPr lang="en-US" smtClean="0"/>
-              <a:t>10/22/21</a:t>
+              <a:t>10/24/21</a:t>
             </a:fld>
             <a:endParaRPr lang="en-US"/>
           </a:p>
@@ -2038,7 +2038,7 @@
           <a:p>
             <a:fld id="{8A2C93C1-66A1-E347-BF94-273A543DF993}" type="datetime1">
               <a:rPr lang="en-US" smtClean="0"/>
-              <a:t>10/22/21</a:t>
+              <a:t>10/24/21</a:t>
             </a:fld>
             <a:endParaRPr lang="en-US"/>
           </a:p>
@@ -2236,7 +2236,7 @@
           <a:p>
             <a:fld id="{A95406DA-41DE-6B42-8881-10F151F39508}" type="datetime1">
               <a:rPr lang="en-US" smtClean="0"/>
-              <a:t>10/22/21</a:t>
+              <a:t>10/24/21</a:t>
             </a:fld>
             <a:endParaRPr lang="en-US"/>
           </a:p>
@@ -2511,7 +2511,7 @@
           <a:p>
             <a:fld id="{F4A5AE77-ED6D-C546-AAA8-73ACD9049F9C}" type="datetime1">
               <a:rPr lang="en-US" smtClean="0"/>
-              <a:t>10/22/21</a:t>
+              <a:t>10/24/21</a:t>
             </a:fld>
             <a:endParaRPr lang="en-US"/>
           </a:p>
@@ -2776,7 +2776,7 @@
           <a:p>
             <a:fld id="{12E47B38-64E8-1745-A622-897D9B89EEF8}" type="datetime1">
               <a:rPr lang="en-US" smtClean="0"/>
-              <a:t>10/22/21</a:t>
+              <a:t>10/24/21</a:t>
             </a:fld>
             <a:endParaRPr lang="en-US"/>
           </a:p>
@@ -3188,7 +3188,7 @@
           <a:p>
             <a:fld id="{216E8C60-483F-F44F-ADE9-76668F65E3A6}" type="datetime1">
               <a:rPr lang="en-US" smtClean="0"/>
-              <a:t>10/22/21</a:t>
+              <a:t>10/24/21</a:t>
             </a:fld>
             <a:endParaRPr lang="en-US"/>
           </a:p>
@@ -3329,7 +3329,7 @@
           <a:p>
             <a:fld id="{20A435D2-9E8E-F143-A21C-27EFDEDFB0A1}" type="datetime1">
               <a:rPr lang="en-US" smtClean="0"/>
-              <a:t>10/22/21</a:t>
+              <a:t>10/24/21</a:t>
             </a:fld>
             <a:endParaRPr lang="en-US"/>
           </a:p>
@@ -3442,7 +3442,7 @@
           <a:p>
             <a:fld id="{BD7E3BC5-9542-6D4F-BD9E-D22E0F58021E}" type="datetime1">
               <a:rPr lang="en-US" smtClean="0"/>
-              <a:t>10/22/21</a:t>
+              <a:t>10/24/21</a:t>
             </a:fld>
             <a:endParaRPr lang="en-US"/>
           </a:p>
@@ -3753,7 +3753,7 @@
           <a:p>
             <a:fld id="{788ADD98-89F7-C94D-A597-AB64A3B12F25}" type="datetime1">
               <a:rPr lang="en-US" smtClean="0"/>
-              <a:t>10/22/21</a:t>
+              <a:t>10/24/21</a:t>
             </a:fld>
             <a:endParaRPr lang="en-US"/>
           </a:p>
@@ -4041,7 +4041,7 @@
           <a:p>
             <a:fld id="{42FA7035-4E67-5446-A245-10C355282FE7}" type="datetime1">
               <a:rPr lang="en-US" smtClean="0"/>
-              <a:t>10/22/21</a:t>
+              <a:t>10/24/21</a:t>
             </a:fld>
             <a:endParaRPr lang="en-US"/>
           </a:p>
@@ -4282,7 +4282,7 @@
           <a:p>
             <a:fld id="{D7CA1C70-DB11-E844-8CE4-6B5B27B86A42}" type="datetime1">
               <a:rPr lang="en-US" smtClean="0"/>
-              <a:t>10/22/21</a:t>
+              <a:t>10/24/21</a:t>
             </a:fld>
             <a:endParaRPr lang="en-US"/>
           </a:p>
@@ -10570,8 +10570,13 @@
             <a:pPr lvl="1"/>
             <a:r>
               <a:rPr lang="en-US" dirty="0"/>
-              <a:t>Propensity Binning with Regression adjustment (CBA’s DSI 2.0)</a:t>
-            </a:r>
+              <a:t>Propensity Binning with </a:t>
+            </a:r>
+            <a:r>
+              <a:rPr lang="en-US"/>
+              <a:t>Regression adjustment</a:t>
+            </a:r>
+            <a:endParaRPr lang="en-US" dirty="0"/>
           </a:p>
           <a:p>
             <a:pPr lvl="1"/>
@@ -10584,7 +10589,7 @@
             <a:pPr lvl="1"/>
             <a:r>
               <a:rPr lang="en-US" dirty="0"/>
-              <a:t>Double machine learning (CBA’s DSI 3.0)</a:t>
+              <a:t>Double machine learning</a:t>
             </a:r>
           </a:p>
           <a:p>
@@ -10709,17 +10714,53 @@
             </a:r>
             <a:r>
               <a:rPr lang="en-US" dirty="0"/>
-              <a:t> Notebook link: [ </a:t>
+              <a:t> Notebook link: [</a:t>
             </a:r>
             <a:r>
               <a:rPr lang="en-US" dirty="0">
                 <a:hlinkClick r:id="rId2"/>
               </a:rPr>
-              <a:t>link</a:t>
+              <a:t>https://</a:t>
+            </a:r>
+            <a:r>
+              <a:rPr lang="en-US" dirty="0" err="1">
+                <a:hlinkClick r:id="rId2"/>
+              </a:rPr>
+              <a:t>github.com</a:t>
+            </a:r>
+            <a:r>
+              <a:rPr lang="en-US" dirty="0">
+                <a:hlinkClick r:id="rId2"/>
+              </a:rPr>
+              <a:t>/</a:t>
+            </a:r>
+            <a:r>
+              <a:rPr lang="en-US" dirty="0" err="1">
+                <a:hlinkClick r:id="rId2"/>
+              </a:rPr>
+              <a:t>shoepaladin</a:t>
+            </a:r>
+            <a:r>
+              <a:rPr lang="en-US" dirty="0">
+                <a:hlinkClick r:id="rId2"/>
+              </a:rPr>
+              <a:t>/</a:t>
+            </a:r>
+            <a:r>
+              <a:rPr lang="en-US" dirty="0" err="1">
+                <a:hlinkClick r:id="rId2"/>
+              </a:rPr>
+              <a:t>causalinference_crashcourse</a:t>
+            </a:r>
+            <a:r>
+              <a:rPr lang="en-US" dirty="0">
+                <a:hlinkClick r:id="rId2"/>
+              </a:rPr>
+              <a:t>/blob/main/Notebooks/1%20Foundations.ipynb</a:t>
             </a:r>
             <a:r>
               <a:rPr lang="en-US" dirty="0"/>
-              <a:t> ]</a:t>
+              <a:t>]</a:t>
             </a:r>
           </a:p>
           <a:p>
@@ -12263,8 +12304,8 @@
           </a:p>
         </p:txBody>
       </p:sp>
-      <mc:AlternateContent xmlns:mc="http://schemas.openxmlformats.org/markup-compatibility/2006">
-        <mc:Choice xmlns:a14="http://schemas.microsoft.com/office/drawing/2010/main" Requires="a14">
+      <mc:AlternateContent xmlns:mc="http://schemas.openxmlformats.org/markup-compatibility/2006" xmlns:a14="http://schemas.microsoft.com/office/drawing/2010/main">
+        <mc:Choice Requires="a14">
           <p:sp>
             <p:nvSpPr>
               <p:cNvPr id="3" name="Content Placeholder 2">
@@ -12816,7 +12857,7 @@
             </p:txBody>
           </p:sp>
         </mc:Choice>
-        <mc:Fallback>
+        <mc:Fallback xmlns="">
           <p:sp>
             <p:nvSpPr>
               <p:cNvPr id="3" name="Content Placeholder 2">
@@ -16270,8 +16311,8 @@
           </a:p>
         </p:txBody>
       </p:sp>
-      <mc:AlternateContent xmlns:mc="http://schemas.openxmlformats.org/markup-compatibility/2006">
-        <mc:Choice xmlns:a14="http://schemas.microsoft.com/office/drawing/2010/main" Requires="a14">
+      <mc:AlternateContent xmlns:mc="http://schemas.openxmlformats.org/markup-compatibility/2006" xmlns:a14="http://schemas.microsoft.com/office/drawing/2010/main">
+        <mc:Choice Requires="a14">
           <p:sp>
             <p:nvSpPr>
               <p:cNvPr id="3" name="Content Placeholder 2">
@@ -16786,7 +16827,7 @@
             </p:txBody>
           </p:sp>
         </mc:Choice>
-        <mc:Fallback>
+        <mc:Fallback xmlns="">
           <p:sp>
             <p:nvSpPr>
               <p:cNvPr id="3" name="Content Placeholder 2">

--- a/Powerpoints/1 Foundations.pptx
+++ b/Powerpoints/1 Foundations.pptx
@@ -228,7 +228,7 @@
           <a:p>
             <a:fld id="{8CDAE157-64BC-FD42-82AD-9DB79E9446BD}" type="datetimeFigureOut">
               <a:rPr lang="en-US" smtClean="0"/>
-              <a:t>10/24/21</a:t>
+              <a:t>12/27/21</a:t>
             </a:fld>
             <a:endParaRPr lang="en-US"/>
           </a:p>
@@ -1632,7 +1632,7 @@
           <a:p>
             <a:fld id="{92ECDD06-8088-CC45-BEF4-C042E98D7A7D}" type="datetime1">
               <a:rPr lang="en-US" smtClean="0"/>
-              <a:t>10/24/21</a:t>
+              <a:t>12/27/21</a:t>
             </a:fld>
             <a:endParaRPr lang="en-US"/>
           </a:p>
@@ -1830,7 +1830,7 @@
           <a:p>
             <a:fld id="{9CAE4184-79C1-F54A-8813-155C66C818D1}" type="datetime1">
               <a:rPr lang="en-US" smtClean="0"/>
-              <a:t>10/24/21</a:t>
+              <a:t>12/27/21</a:t>
             </a:fld>
             <a:endParaRPr lang="en-US"/>
           </a:p>
@@ -2038,7 +2038,7 @@
           <a:p>
             <a:fld id="{8A2C93C1-66A1-E347-BF94-273A543DF993}" type="datetime1">
               <a:rPr lang="en-US" smtClean="0"/>
-              <a:t>10/24/21</a:t>
+              <a:t>12/27/21</a:t>
             </a:fld>
             <a:endParaRPr lang="en-US"/>
           </a:p>
@@ -2236,7 +2236,7 @@
           <a:p>
             <a:fld id="{A95406DA-41DE-6B42-8881-10F151F39508}" type="datetime1">
               <a:rPr lang="en-US" smtClean="0"/>
-              <a:t>10/24/21</a:t>
+              <a:t>12/27/21</a:t>
             </a:fld>
             <a:endParaRPr lang="en-US"/>
           </a:p>
@@ -2511,7 +2511,7 @@
           <a:p>
             <a:fld id="{F4A5AE77-ED6D-C546-AAA8-73ACD9049F9C}" type="datetime1">
               <a:rPr lang="en-US" smtClean="0"/>
-              <a:t>10/24/21</a:t>
+              <a:t>12/27/21</a:t>
             </a:fld>
             <a:endParaRPr lang="en-US"/>
           </a:p>
@@ -2776,7 +2776,7 @@
           <a:p>
             <a:fld id="{12E47B38-64E8-1745-A622-897D9B89EEF8}" type="datetime1">
               <a:rPr lang="en-US" smtClean="0"/>
-              <a:t>10/24/21</a:t>
+              <a:t>12/27/21</a:t>
             </a:fld>
             <a:endParaRPr lang="en-US"/>
           </a:p>
@@ -3188,7 +3188,7 @@
           <a:p>
             <a:fld id="{216E8C60-483F-F44F-ADE9-76668F65E3A6}" type="datetime1">
               <a:rPr lang="en-US" smtClean="0"/>
-              <a:t>10/24/21</a:t>
+              <a:t>12/27/21</a:t>
             </a:fld>
             <a:endParaRPr lang="en-US"/>
           </a:p>
@@ -3329,7 +3329,7 @@
           <a:p>
             <a:fld id="{20A435D2-9E8E-F143-A21C-27EFDEDFB0A1}" type="datetime1">
               <a:rPr lang="en-US" smtClean="0"/>
-              <a:t>10/24/21</a:t>
+              <a:t>12/27/21</a:t>
             </a:fld>
             <a:endParaRPr lang="en-US"/>
           </a:p>
@@ -3442,7 +3442,7 @@
           <a:p>
             <a:fld id="{BD7E3BC5-9542-6D4F-BD9E-D22E0F58021E}" type="datetime1">
               <a:rPr lang="en-US" smtClean="0"/>
-              <a:t>10/24/21</a:t>
+              <a:t>12/27/21</a:t>
             </a:fld>
             <a:endParaRPr lang="en-US"/>
           </a:p>
@@ -3753,7 +3753,7 @@
           <a:p>
             <a:fld id="{788ADD98-89F7-C94D-A597-AB64A3B12F25}" type="datetime1">
               <a:rPr lang="en-US" smtClean="0"/>
-              <a:t>10/24/21</a:t>
+              <a:t>12/27/21</a:t>
             </a:fld>
             <a:endParaRPr lang="en-US"/>
           </a:p>
@@ -4041,7 +4041,7 @@
           <a:p>
             <a:fld id="{42FA7035-4E67-5446-A245-10C355282FE7}" type="datetime1">
               <a:rPr lang="en-US" smtClean="0"/>
-              <a:t>10/24/21</a:t>
+              <a:t>12/27/21</a:t>
             </a:fld>
             <a:endParaRPr lang="en-US"/>
           </a:p>
@@ -4282,7 +4282,7 @@
           <a:p>
             <a:fld id="{D7CA1C70-DB11-E844-8CE4-6B5B27B86A42}" type="datetime1">
               <a:rPr lang="en-US" smtClean="0"/>
-              <a:t>10/24/21</a:t>
+              <a:t>12/27/21</a:t>
             </a:fld>
             <a:endParaRPr lang="en-US"/>
           </a:p>
@@ -10714,54 +10714,15 @@
             </a:r>
             <a:r>
               <a:rPr lang="en-US" dirty="0"/>
-              <a:t> Notebook link: [</a:t>
+              <a:t> Notebook link: </a:t>
             </a:r>
             <a:r>
               <a:rPr lang="en-US" dirty="0">
                 <a:hlinkClick r:id="rId2"/>
               </a:rPr>
-              <a:t>https://</a:t>
+              <a:t>https://github.com/shoepaladin/causalinference_crashcourse/blob/main/Notebooks/1%20Foundations.ipynb</a:t>
             </a:r>
-            <a:r>
-              <a:rPr lang="en-US" dirty="0" err="1">
-                <a:hlinkClick r:id="rId2"/>
-              </a:rPr>
-              <a:t>github.com</a:t>
-            </a:r>
-            <a:r>
-              <a:rPr lang="en-US" dirty="0">
-                <a:hlinkClick r:id="rId2"/>
-              </a:rPr>
-              <a:t>/</a:t>
-            </a:r>
-            <a:r>
-              <a:rPr lang="en-US" dirty="0" err="1">
-                <a:hlinkClick r:id="rId2"/>
-              </a:rPr>
-              <a:t>shoepaladin</a:t>
-            </a:r>
-            <a:r>
-              <a:rPr lang="en-US" dirty="0">
-                <a:hlinkClick r:id="rId2"/>
-              </a:rPr>
-              <a:t>/</a:t>
-            </a:r>
-            <a:r>
-              <a:rPr lang="en-US" dirty="0" err="1">
-                <a:hlinkClick r:id="rId2"/>
-              </a:rPr>
-              <a:t>causalinference_crashcourse</a:t>
-            </a:r>
-            <a:r>
-              <a:rPr lang="en-US" dirty="0">
-                <a:hlinkClick r:id="rId2"/>
-              </a:rPr>
-              <a:t>/blob/main/Notebooks/1%20Foundations.ipynb</a:t>
-            </a:r>
-            <a:r>
-              <a:rPr lang="en-US" dirty="0"/>
-              <a:t>]</a:t>
-            </a:r>
+            <a:endParaRPr lang="en-US" dirty="0"/>
           </a:p>
           <a:p>
             <a:r>
